--- a/Fase 1/Evidencia Grupal/Presentacion_1.pptx
+++ b/Fase 1/Evidencia Grupal/Presentacion_1.pptx
@@ -14,17 +14,16 @@
     <p:sldId id="259" r:id="rId8"/>
     <p:sldId id="260" r:id="rId9"/>
     <p:sldId id="261" r:id="rId10"/>
-    <p:sldId id="262" r:id="rId11"/>
   </p:sldIdLst>
   <p:sldSz cy="6858000" cx="12192000"/>
   <p:notesSz cx="6858000" cy="9144000"/>
   <p:embeddedFontLst>
     <p:embeddedFont>
       <p:font typeface="Century Gothic"/>
-      <p:regular r:id="rId12"/>
-      <p:bold r:id="rId13"/>
-      <p:italic r:id="rId14"/>
-      <p:boldItalic r:id="rId15"/>
+      <p:regular r:id="rId11"/>
+      <p:bold r:id="rId12"/>
+      <p:italic r:id="rId13"/>
+      <p:boldItalic r:id="rId14"/>
     </p:embeddedFont>
   </p:embeddedFontLst>
   <p:defaultTextStyle>
@@ -258,7 +257,7 @@
   </p:defaultTextStyle>
   <p:extLst>
     <p:ext uri="GoogleSlidesCustomDataVersion2">
-      <go:slidesCustomData xmlns:go="http://customooxmlschemas.google.com/" r:id="rId16" roundtripDataSignature="AMtx7micT9xtqUyjVxbjv9rlJCuE9riXPQ=="/>
+      <go:slidesCustomData xmlns:go="http://customooxmlschemas.google.com/" r:id="rId15" roundtripDataSignature="AMtx7mih3ZH3+cTUFkny5HkoHCJt4sSnUg=="/>
     </p:ext>
   </p:extLst>
 </p:presentation>
@@ -1188,7 +1187,7 @@
   <p:cSld>
     <p:spTree>
       <p:nvGrpSpPr>
-        <p:cNvPr id="139" name="Shape 139"/>
+        <p:cNvPr id="138" name="Shape 138"/>
         <p:cNvGrpSpPr/>
         <p:nvPr/>
       </p:nvGrpSpPr>
@@ -1202,7 +1201,7 @@
       </p:grpSpPr>
       <p:sp>
         <p:nvSpPr>
-          <p:cNvPr id="140" name="Google Shape;140;g35c762ae955_0_23:notes"/>
+          <p:cNvPr id="139" name="Google Shape;139;g35c762ae955_0_23:notes"/>
           <p:cNvSpPr txBox="1"/>
           <p:nvPr>
             <p:ph idx="1" type="body"/>
@@ -1249,7 +1248,7 @@
       </p:sp>
       <p:sp>
         <p:nvSpPr>
-          <p:cNvPr id="141" name="Google Shape;141;g35c762ae955_0_23:notes"/>
+          <p:cNvPr id="140" name="Google Shape;140;g35c762ae955_0_23:notes"/>
           <p:cNvSpPr/>
           <p:nvPr>
             <p:ph idx="2" type="sldImg"/>
@@ -1305,7 +1304,7 @@
   <p:cSld>
     <p:spTree>
       <p:nvGrpSpPr>
-        <p:cNvPr id="155" name="Shape 155"/>
+        <p:cNvPr id="152" name="Shape 152"/>
         <p:cNvGrpSpPr/>
         <p:nvPr/>
       </p:nvGrpSpPr>
@@ -1319,7 +1318,7 @@
       </p:grpSpPr>
       <p:sp>
         <p:nvSpPr>
-          <p:cNvPr id="156" name="Google Shape;156;g34c777f7950_0_16:notes"/>
+          <p:cNvPr id="153" name="Google Shape;153;g34c777f7950_0_16:notes"/>
           <p:cNvSpPr txBox="1"/>
           <p:nvPr>
             <p:ph idx="1" type="body"/>
@@ -1366,7 +1365,7 @@
       </p:sp>
       <p:sp>
         <p:nvSpPr>
-          <p:cNvPr id="157" name="Google Shape;157;g34c777f7950_0_16:notes"/>
+          <p:cNvPr id="154" name="Google Shape;154;g34c777f7950_0_16:notes"/>
           <p:cNvSpPr/>
           <p:nvPr>
             <p:ph idx="2" type="sldImg"/>
@@ -1422,7 +1421,7 @@
   <p:cSld>
     <p:spTree>
       <p:nvGrpSpPr>
-        <p:cNvPr id="168" name="Shape 168"/>
+        <p:cNvPr id="165" name="Shape 165"/>
         <p:cNvGrpSpPr/>
         <p:nvPr/>
       </p:nvGrpSpPr>
@@ -1436,7 +1435,7 @@
       </p:grpSpPr>
       <p:sp>
         <p:nvSpPr>
-          <p:cNvPr id="169" name="Google Shape;169;g35c762ae955_0_7:notes"/>
+          <p:cNvPr id="166" name="Google Shape;166;g35c762ae955_0_68:notes"/>
           <p:cNvSpPr txBox="1"/>
           <p:nvPr>
             <p:ph idx="1" type="body"/>
@@ -1483,124 +1482,7 @@
       </p:sp>
       <p:sp>
         <p:nvSpPr>
-          <p:cNvPr id="170" name="Google Shape;170;g35c762ae955_0_7:notes"/>
-          <p:cNvSpPr/>
-          <p:nvPr>
-            <p:ph idx="2" type="sldImg"/>
-          </p:nvPr>
-        </p:nvSpPr>
-        <p:spPr>
-          <a:xfrm>
-            <a:off x="381000" y="685800"/>
-            <a:ext cx="6096000" cy="3429000"/>
-          </a:xfrm>
-          <a:custGeom>
-            <a:rect b="b" l="l" r="r" t="t"/>
-            <a:pathLst>
-              <a:path extrusionOk="0" h="120000" w="120000">
-                <a:moveTo>
-                  <a:pt x="0" y="0"/>
-                </a:moveTo>
-                <a:lnTo>
-                  <a:pt x="120000" y="0"/>
-                </a:lnTo>
-                <a:lnTo>
-                  <a:pt x="120000" y="120000"/>
-                </a:lnTo>
-                <a:lnTo>
-                  <a:pt x="0" y="120000"/>
-                </a:lnTo>
-                <a:close/>
-              </a:path>
-            </a:pathLst>
-          </a:custGeom>
-          <a:noFill/>
-          <a:ln cap="flat" cmpd="sng" w="9525">
-            <a:solidFill>
-              <a:srgbClr val="000000"/>
-            </a:solidFill>
-            <a:prstDash val="solid"/>
-            <a:round/>
-            <a:headEnd len="sm" w="sm" type="none"/>
-            <a:tailEnd len="sm" w="sm" type="none"/>
-          </a:ln>
-        </p:spPr>
-      </p:sp>
-    </p:spTree>
-  </p:cSld>
-  <p:clrMapOvr>
-    <a:masterClrMapping/>
-  </p:clrMapOvr>
-</p:notes>
-</file>
-
-<file path=ppt/notesSlides/notesSlide7.xml><?xml version="1.0" encoding="utf-8"?>
-<p:notes xmlns:a="http://schemas.openxmlformats.org/drawingml/2006/main" xmlns:r="http://schemas.openxmlformats.org/officeDocument/2006/relationships" xmlns:mc="http://schemas.openxmlformats.org/markup-compatibility/2006" xmlns:mv="urn:schemas-microsoft-com:mac:vml" xmlns:p="http://schemas.openxmlformats.org/presentationml/2006/main" xmlns:c="http://schemas.openxmlformats.org/drawingml/2006/chart" xmlns:dgm="http://schemas.openxmlformats.org/drawingml/2006/diagram" xmlns:o="urn:schemas-microsoft-com:office:office" xmlns:v="urn:schemas-microsoft-com:vml" xmlns:pvml="urn:schemas-microsoft-com:office:powerpoint" xmlns:com="http://schemas.openxmlformats.org/drawingml/2006/compatibility" xmlns:p14="http://schemas.microsoft.com/office/powerpoint/2010/main" xmlns:p15="http://schemas.microsoft.com/office/powerpoint/2012/main" xmlns:ahyp="http://schemas.microsoft.com/office/drawing/2018/hyperlinkcolor" showMasterPhAnim="0" showMasterSp="0">
-  <p:cSld>
-    <p:spTree>
-      <p:nvGrpSpPr>
-        <p:cNvPr id="178" name="Shape 178"/>
-        <p:cNvGrpSpPr/>
-        <p:nvPr/>
-      </p:nvGrpSpPr>
-      <p:grpSpPr>
-        <a:xfrm>
-          <a:off x="0" y="0"/>
-          <a:ext cx="0" cy="0"/>
-          <a:chOff x="0" y="0"/>
-          <a:chExt cx="0" cy="0"/>
-        </a:xfrm>
-      </p:grpSpPr>
-      <p:sp>
-        <p:nvSpPr>
-          <p:cNvPr id="179" name="Google Shape;179;g35c762ae955_0_68:notes"/>
-          <p:cNvSpPr txBox="1"/>
-          <p:nvPr>
-            <p:ph idx="1" type="body"/>
-          </p:nvPr>
-        </p:nvSpPr>
-        <p:spPr>
-          <a:xfrm>
-            <a:off x="685800" y="4343400"/>
-            <a:ext cx="5486400" cy="4114800"/>
-          </a:xfrm>
-          <a:prstGeom prst="rect">
-            <a:avLst/>
-          </a:prstGeom>
-          <a:noFill/>
-          <a:ln>
-            <a:noFill/>
-          </a:ln>
-        </p:spPr>
-        <p:txBody>
-          <a:bodyPr anchorCtr="0" anchor="t" bIns="91425" lIns="91425" spcFirstLastPara="1" rIns="91425" wrap="square" tIns="91425">
-            <a:noAutofit/>
-          </a:bodyPr>
-          <a:lstStyle/>
-          <a:p>
-            <a:pPr indent="0" lvl="0" marL="0" rtl="0" algn="l">
-              <a:lnSpc>
-                <a:spcPct val="100000"/>
-              </a:lnSpc>
-              <a:spcBef>
-                <a:spcPts val="0"/>
-              </a:spcBef>
-              <a:spcAft>
-                <a:spcPts val="0"/>
-              </a:spcAft>
-              <a:buSzPts val="1100"/>
-              <a:buNone/>
-            </a:pPr>
-            <a:r>
-              <a:t/>
-            </a:r>
-            <a:endParaRPr/>
-          </a:p>
-        </p:txBody>
-      </p:sp>
-      <p:sp>
-        <p:nvSpPr>
-          <p:cNvPr id="180" name="Google Shape;180;g35c762ae955_0_68:notes"/>
+          <p:cNvPr id="167" name="Google Shape;167;g35c762ae955_0_68:notes"/>
           <p:cNvSpPr/>
           <p:nvPr>
             <p:ph idx="2" type="sldImg"/>
@@ -17101,19 +16983,7 @@
                 <a:cs typeface="Century Gothic"/>
                 <a:sym typeface="Century Gothic"/>
               </a:rPr>
-              <a:t>Descripción</a:t>
-            </a:r>
-            <a:r>
-              <a:rPr lang="en-US" sz="2400">
-                <a:solidFill>
-                  <a:schemeClr val="dk1"/>
-                </a:solidFill>
-                <a:latin typeface="Century Gothic"/>
-                <a:ea typeface="Century Gothic"/>
-                <a:cs typeface="Century Gothic"/>
-                <a:sym typeface="Century Gothic"/>
-              </a:rPr>
-              <a:t> del proyecto</a:t>
+              <a:t>Problematica presentada</a:t>
             </a:r>
             <a:endParaRPr b="0" i="0" sz="2400" u="none" cap="none" strike="noStrike">
               <a:solidFill>
@@ -17181,19 +17051,7 @@
                 <a:cs typeface="Century Gothic"/>
                 <a:sym typeface="Century Gothic"/>
               </a:rPr>
-              <a:t>Objetivos y </a:t>
-            </a:r>
-            <a:r>
-              <a:rPr lang="en-US" sz="2400">
-                <a:solidFill>
-                  <a:schemeClr val="dk1"/>
-                </a:solidFill>
-                <a:latin typeface="Century Gothic"/>
-                <a:ea typeface="Century Gothic"/>
-                <a:cs typeface="Century Gothic"/>
-                <a:sym typeface="Century Gothic"/>
-              </a:rPr>
-              <a:t>metodología</a:t>
+              <a:t>Solucion definida</a:t>
             </a:r>
             <a:endParaRPr b="0" i="0" sz="2400" u="none" cap="none" strike="noStrike">
               <a:solidFill>
@@ -17261,7 +17119,7 @@
                 <a:cs typeface="Century Gothic"/>
                 <a:sym typeface="Century Gothic"/>
               </a:rPr>
-              <a:t>Carta gantt</a:t>
+              <a:t>Funcionalidades</a:t>
             </a:r>
             <a:endParaRPr b="0" i="0" sz="2400" u="none" cap="none" strike="noStrike">
               <a:solidFill>
@@ -17329,7 +17187,7 @@
                 <a:cs typeface="Century Gothic"/>
                 <a:sym typeface="Century Gothic"/>
               </a:rPr>
-              <a:t>Fundamentos del proyecto</a:t>
+              <a:t>Cliente </a:t>
             </a:r>
             <a:endParaRPr b="0" i="0" sz="2400" u="none" cap="none" strike="noStrike">
               <a:solidFill>
@@ -17487,11 +17345,7 @@
             </a:pPr>
             <a:r>
               <a:rPr lang="en-US" sz="3500"/>
-              <a:t>Descripción</a:t>
-            </a:r>
-            <a:r>
-              <a:rPr lang="en-US" sz="3500"/>
-              <a:t> del proyecto</a:t>
+              <a:t>Problematica presentada</a:t>
             </a:r>
             <a:endParaRPr sz="2000"/>
           </a:p>
@@ -17740,8 +17594,8 @@
         </p:nvSpPr>
         <p:spPr>
           <a:xfrm>
-            <a:off x="2396000" y="2098588"/>
-            <a:ext cx="2725200" cy="657600"/>
+            <a:off x="1866550" y="2098600"/>
+            <a:ext cx="3254700" cy="657600"/>
           </a:xfrm>
           <a:prstGeom prst="rect">
             <a:avLst/>
@@ -17786,7 +17640,7 @@
                 <a:cs typeface="Century Gothic"/>
                 <a:sym typeface="Century Gothic"/>
               </a:rPr>
-              <a:t>Repleno</a:t>
+              <a:t>Mala organizacion</a:t>
             </a:r>
             <a:endParaRPr b="0" i="0" sz="2400" u="none" cap="none" strike="noStrike">
               <a:solidFill>
@@ -17808,14 +17662,162 @@
         </p:nvSpPr>
         <p:spPr>
           <a:xfrm>
-            <a:off x="4182000" y="4800550"/>
+            <a:off x="6268775" y="3739750"/>
+            <a:ext cx="4626600" cy="599400"/>
+          </a:xfrm>
+          <a:prstGeom prst="rect">
+            <a:avLst/>
+          </a:prstGeom>
+          <a:solidFill>
+            <a:srgbClr val="FFE599"/>
+          </a:solidFill>
+          <a:ln>
+            <a:noFill/>
+          </a:ln>
+        </p:spPr>
+        <p:txBody>
+          <a:bodyPr anchorCtr="0" anchor="t" bIns="91425" lIns="91425" spcFirstLastPara="1" rIns="91425" wrap="square" tIns="91425">
+            <a:noAutofit/>
+          </a:bodyPr>
+          <a:lstStyle/>
+          <a:p>
+            <a:pPr indent="0" lvl="0" marL="0" marR="0" rtl="0" algn="l">
+              <a:lnSpc>
+                <a:spcPct val="100000"/>
+              </a:lnSpc>
+              <a:spcBef>
+                <a:spcPts val="0"/>
+              </a:spcBef>
+              <a:spcAft>
+                <a:spcPts val="0"/>
+              </a:spcAft>
+              <a:buClr>
+                <a:srgbClr val="000000"/>
+              </a:buClr>
+              <a:buSzPts val="2400"/>
+              <a:buFont typeface="Arial"/>
+              <a:buNone/>
+            </a:pPr>
+            <a:r>
+              <a:rPr lang="en-US" sz="2400">
+                <a:solidFill>
+                  <a:schemeClr val="dk1"/>
+                </a:solidFill>
+                <a:latin typeface="Century Gothic"/>
+                <a:ea typeface="Century Gothic"/>
+                <a:cs typeface="Century Gothic"/>
+                <a:sym typeface="Century Gothic"/>
+              </a:rPr>
+              <a:t>Falta de historial y registros</a:t>
+            </a:r>
+            <a:endParaRPr b="0" i="0" sz="2400" u="none" cap="none" strike="noStrike">
+              <a:solidFill>
+                <a:schemeClr val="dk1"/>
+              </a:solidFill>
+              <a:latin typeface="Century Gothic"/>
+              <a:ea typeface="Century Gothic"/>
+              <a:cs typeface="Century Gothic"/>
+              <a:sym typeface="Century Gothic"/>
+            </a:endParaRPr>
+          </a:p>
+        </p:txBody>
+      </p:sp>
+      <p:sp>
+        <p:nvSpPr>
+          <p:cNvPr id="136" name="Google Shape;136;g338acfe7504_0_23"/>
+          <p:cNvSpPr txBox="1"/>
+          <p:nvPr/>
+        </p:nvSpPr>
+        <p:spPr>
+          <a:xfrm>
+            <a:off x="1812100" y="3675150"/>
             <a:ext cx="3828000" cy="599400"/>
           </a:xfrm>
           <a:prstGeom prst="rect">
             <a:avLst/>
           </a:prstGeom>
           <a:solidFill>
-            <a:srgbClr val="F9CB9C"/>
+            <a:srgbClr val="C9DAF8"/>
+          </a:solidFill>
+          <a:ln>
+            <a:noFill/>
+          </a:ln>
+        </p:spPr>
+        <p:txBody>
+          <a:bodyPr anchorCtr="0" anchor="t" bIns="91425" lIns="91425" spcFirstLastPara="1" rIns="91425" wrap="square" tIns="91425">
+            <a:noAutofit/>
+          </a:bodyPr>
+          <a:lstStyle/>
+          <a:p>
+            <a:pPr indent="0" lvl="0" marL="0" marR="0" rtl="0" algn="l">
+              <a:lnSpc>
+                <a:spcPct val="100000"/>
+              </a:lnSpc>
+              <a:spcBef>
+                <a:spcPts val="0"/>
+              </a:spcBef>
+              <a:spcAft>
+                <a:spcPts val="0"/>
+              </a:spcAft>
+              <a:buClr>
+                <a:srgbClr val="000000"/>
+              </a:buClr>
+              <a:buSzPts val="2400"/>
+              <a:buFont typeface="Arial"/>
+              <a:buNone/>
+            </a:pPr>
+            <a:r>
+              <a:rPr lang="en-US" sz="2400">
+                <a:solidFill>
+                  <a:schemeClr val="dk1"/>
+                </a:solidFill>
+                <a:latin typeface="Century Gothic"/>
+                <a:ea typeface="Century Gothic"/>
+                <a:cs typeface="Century Gothic"/>
+                <a:sym typeface="Century Gothic"/>
+              </a:rPr>
+              <a:t>Pérdida</a:t>
+            </a:r>
+            <a:r>
+              <a:rPr lang="en-US" sz="2400">
+                <a:solidFill>
+                  <a:schemeClr val="dk1"/>
+                </a:solidFill>
+                <a:latin typeface="Century Gothic"/>
+                <a:ea typeface="Century Gothic"/>
+                <a:cs typeface="Century Gothic"/>
+                <a:sym typeface="Century Gothic"/>
+              </a:rPr>
+              <a:t> de seguimiento </a:t>
+            </a:r>
+            <a:endParaRPr b="0" i="0" sz="2400" u="none" cap="none" strike="noStrike">
+              <a:solidFill>
+                <a:schemeClr val="dk1"/>
+              </a:solidFill>
+              <a:latin typeface="Century Gothic"/>
+              <a:ea typeface="Century Gothic"/>
+              <a:cs typeface="Century Gothic"/>
+              <a:sym typeface="Century Gothic"/>
+            </a:endParaRPr>
+          </a:p>
+        </p:txBody>
+      </p:sp>
+      <p:sp>
+        <p:nvSpPr>
+          <p:cNvPr id="137" name="Google Shape;137;g338acfe7504_0_23"/>
+          <p:cNvSpPr txBox="1"/>
+          <p:nvPr/>
+        </p:nvSpPr>
+        <p:spPr>
+          <a:xfrm>
+            <a:off x="5368100" y="2098600"/>
+            <a:ext cx="5527200" cy="657600"/>
+          </a:xfrm>
+          <a:prstGeom prst="rect">
+            <a:avLst/>
+          </a:prstGeom>
+          <a:solidFill>
+            <a:srgbClr val="D5A6BD"/>
           </a:solidFill>
           <a:ln>
             <a:noFill/>
@@ -17866,211 +17868,7 @@
                 <a:cs typeface="Century Gothic"/>
                 <a:sym typeface="Century Gothic"/>
               </a:rPr>
-              <a:t> de proyectos</a:t>
-            </a:r>
-            <a:endParaRPr b="0" i="0" sz="2400" u="none" cap="none" strike="noStrike">
-              <a:solidFill>
-                <a:schemeClr val="dk1"/>
-              </a:solidFill>
-              <a:latin typeface="Century Gothic"/>
-              <a:ea typeface="Century Gothic"/>
-              <a:cs typeface="Century Gothic"/>
-              <a:sym typeface="Century Gothic"/>
-            </a:endParaRPr>
-          </a:p>
-        </p:txBody>
-      </p:sp>
-      <p:sp>
-        <p:nvSpPr>
-          <p:cNvPr id="136" name="Google Shape;136;g338acfe7504_0_23"/>
-          <p:cNvSpPr txBox="1"/>
-          <p:nvPr/>
-        </p:nvSpPr>
-        <p:spPr>
-          <a:xfrm>
-            <a:off x="4182000" y="4201151"/>
-            <a:ext cx="3828000" cy="599400"/>
-          </a:xfrm>
-          <a:prstGeom prst="rect">
-            <a:avLst/>
-          </a:prstGeom>
-          <a:solidFill>
-            <a:srgbClr val="FFE599"/>
-          </a:solidFill>
-          <a:ln>
-            <a:noFill/>
-          </a:ln>
-        </p:spPr>
-        <p:txBody>
-          <a:bodyPr anchorCtr="0" anchor="t" bIns="91425" lIns="91425" spcFirstLastPara="1" rIns="91425" wrap="square" tIns="91425">
-            <a:noAutofit/>
-          </a:bodyPr>
-          <a:lstStyle/>
-          <a:p>
-            <a:pPr indent="0" lvl="0" marL="0" marR="0" rtl="0" algn="l">
-              <a:lnSpc>
-                <a:spcPct val="100000"/>
-              </a:lnSpc>
-              <a:spcBef>
-                <a:spcPts val="0"/>
-              </a:spcBef>
-              <a:spcAft>
-                <a:spcPts val="0"/>
-              </a:spcAft>
-              <a:buClr>
-                <a:srgbClr val="000000"/>
-              </a:buClr>
-              <a:buSzPts val="2400"/>
-              <a:buFont typeface="Arial"/>
-              <a:buNone/>
-            </a:pPr>
-            <a:r>
-              <a:rPr lang="en-US" sz="2400">
-                <a:solidFill>
-                  <a:schemeClr val="dk1"/>
-                </a:solidFill>
-                <a:latin typeface="Century Gothic"/>
-                <a:ea typeface="Century Gothic"/>
-                <a:cs typeface="Century Gothic"/>
-                <a:sym typeface="Century Gothic"/>
-              </a:rPr>
-              <a:t>Programacion</a:t>
-            </a:r>
-            <a:endParaRPr b="0" i="0" sz="2400" u="none" cap="none" strike="noStrike">
-              <a:solidFill>
-                <a:schemeClr val="dk1"/>
-              </a:solidFill>
-              <a:latin typeface="Century Gothic"/>
-              <a:ea typeface="Century Gothic"/>
-              <a:cs typeface="Century Gothic"/>
-              <a:sym typeface="Century Gothic"/>
-            </a:endParaRPr>
-          </a:p>
-        </p:txBody>
-      </p:sp>
-      <p:sp>
-        <p:nvSpPr>
-          <p:cNvPr id="137" name="Google Shape;137;g338acfe7504_0_23"/>
-          <p:cNvSpPr txBox="1"/>
-          <p:nvPr/>
-        </p:nvSpPr>
-        <p:spPr>
-          <a:xfrm>
-            <a:off x="4182000" y="3601750"/>
-            <a:ext cx="3828000" cy="599400"/>
-          </a:xfrm>
-          <a:prstGeom prst="rect">
-            <a:avLst/>
-          </a:prstGeom>
-          <a:solidFill>
-            <a:srgbClr val="C9DAF8"/>
-          </a:solidFill>
-          <a:ln>
-            <a:noFill/>
-          </a:ln>
-        </p:spPr>
-        <p:txBody>
-          <a:bodyPr anchorCtr="0" anchor="t" bIns="91425" lIns="91425" spcFirstLastPara="1" rIns="91425" wrap="square" tIns="91425">
-            <a:noAutofit/>
-          </a:bodyPr>
-          <a:lstStyle/>
-          <a:p>
-            <a:pPr indent="0" lvl="0" marL="0" marR="0" rtl="0" algn="l">
-              <a:lnSpc>
-                <a:spcPct val="100000"/>
-              </a:lnSpc>
-              <a:spcBef>
-                <a:spcPts val="0"/>
-              </a:spcBef>
-              <a:spcAft>
-                <a:spcPts val="0"/>
-              </a:spcAft>
-              <a:buClr>
-                <a:srgbClr val="000000"/>
-              </a:buClr>
-              <a:buSzPts val="2400"/>
-              <a:buFont typeface="Arial"/>
-              <a:buNone/>
-            </a:pPr>
-            <a:r>
-              <a:rPr lang="en-US" sz="2400">
-                <a:solidFill>
-                  <a:schemeClr val="dk1"/>
-                </a:solidFill>
-                <a:latin typeface="Century Gothic"/>
-                <a:ea typeface="Century Gothic"/>
-                <a:cs typeface="Century Gothic"/>
-                <a:sym typeface="Century Gothic"/>
-              </a:rPr>
-              <a:t>Trabajo en equipo</a:t>
-            </a:r>
-            <a:endParaRPr b="0" i="0" sz="2400" u="none" cap="none" strike="noStrike">
-              <a:solidFill>
-                <a:schemeClr val="dk1"/>
-              </a:solidFill>
-              <a:latin typeface="Century Gothic"/>
-              <a:ea typeface="Century Gothic"/>
-              <a:cs typeface="Century Gothic"/>
-              <a:sym typeface="Century Gothic"/>
-            </a:endParaRPr>
-          </a:p>
-        </p:txBody>
-      </p:sp>
-      <p:sp>
-        <p:nvSpPr>
-          <p:cNvPr id="138" name="Google Shape;138;g338acfe7504_0_23"/>
-          <p:cNvSpPr txBox="1"/>
-          <p:nvPr/>
-        </p:nvSpPr>
-        <p:spPr>
-          <a:xfrm>
-            <a:off x="5368100" y="2098600"/>
-            <a:ext cx="4966500" cy="980700"/>
-          </a:xfrm>
-          <a:prstGeom prst="rect">
-            <a:avLst/>
-          </a:prstGeom>
-          <a:solidFill>
-            <a:srgbClr val="D5A6BD"/>
-          </a:solidFill>
-          <a:ln>
-            <a:noFill/>
-          </a:ln>
-        </p:spPr>
-        <p:txBody>
-          <a:bodyPr anchorCtr="0" anchor="t" bIns="91425" lIns="91425" spcFirstLastPara="1" rIns="91425" wrap="square" tIns="91425">
-            <a:noAutofit/>
-          </a:bodyPr>
-          <a:lstStyle/>
-          <a:p>
-            <a:pPr indent="0" lvl="0" marL="0" marR="0" rtl="0" algn="l">
-              <a:lnSpc>
-                <a:spcPct val="100000"/>
-              </a:lnSpc>
-              <a:spcBef>
-                <a:spcPts val="0"/>
-              </a:spcBef>
-              <a:spcAft>
-                <a:spcPts val="0"/>
-              </a:spcAft>
-              <a:buClr>
-                <a:srgbClr val="000000"/>
-              </a:buClr>
-              <a:buSzPts val="2400"/>
-              <a:buFont typeface="Arial"/>
-              <a:buNone/>
-            </a:pPr>
-            <a:r>
-              <a:rPr lang="en-US" sz="2400">
-                <a:solidFill>
-                  <a:schemeClr val="dk1"/>
-                </a:solidFill>
-                <a:latin typeface="Century Gothic"/>
-                <a:ea typeface="Century Gothic"/>
-                <a:cs typeface="Century Gothic"/>
-                <a:sym typeface="Century Gothic"/>
-              </a:rPr>
-              <a:t>Gestión</a:t>
+              <a:t> de inventario </a:t>
             </a:r>
             <a:r>
               <a:rPr lang="en-US" sz="2400">
@@ -18082,36 +17880,8 @@
                 <a:cs typeface="Century Gothic"/>
                 <a:sym typeface="Century Gothic"/>
               </a:rPr>
-              <a:t> de proyecto</a:t>
+              <a:t>escaso</a:t>
             </a:r>
-            <a:endParaRPr sz="2400">
-              <a:solidFill>
-                <a:schemeClr val="dk1"/>
-              </a:solidFill>
-              <a:latin typeface="Century Gothic"/>
-              <a:ea typeface="Century Gothic"/>
-              <a:cs typeface="Century Gothic"/>
-              <a:sym typeface="Century Gothic"/>
-            </a:endParaRPr>
-          </a:p>
-          <a:p>
-            <a:pPr indent="0" lvl="0" marL="0" marR="0" rtl="0" algn="l">
-              <a:lnSpc>
-                <a:spcPct val="100000"/>
-              </a:lnSpc>
-              <a:spcBef>
-                <a:spcPts val="0"/>
-              </a:spcBef>
-              <a:spcAft>
-                <a:spcPts val="0"/>
-              </a:spcAft>
-              <a:buClr>
-                <a:srgbClr val="000000"/>
-              </a:buClr>
-              <a:buSzPts val="2400"/>
-              <a:buFont typeface="Arial"/>
-              <a:buNone/>
-            </a:pPr>
             <a:r>
               <a:rPr lang="en-US" sz="2400">
                 <a:solidFill>
@@ -18122,7 +17892,7 @@
                 <a:cs typeface="Century Gothic"/>
                 <a:sym typeface="Century Gothic"/>
               </a:rPr>
-              <a:t>Programacion full stack</a:t>
+              <a:t> o nulo</a:t>
             </a:r>
             <a:endParaRPr sz="2400">
               <a:solidFill>
@@ -18156,7 +17926,7 @@
     </p:bg>
     <p:spTree>
       <p:nvGrpSpPr>
-        <p:cNvPr id="142" name="Shape 142"/>
+        <p:cNvPr id="141" name="Shape 141"/>
         <p:cNvGrpSpPr/>
         <p:nvPr/>
       </p:nvGrpSpPr>
@@ -18170,7 +17940,7 @@
       </p:grpSpPr>
       <p:sp>
         <p:nvSpPr>
-          <p:cNvPr id="143" name="Google Shape;143;g35c762ae955_0_23"/>
+          <p:cNvPr id="142" name="Google Shape;142;g35c762ae955_0_23"/>
           <p:cNvSpPr/>
           <p:nvPr/>
         </p:nvSpPr>
@@ -18229,7 +17999,7 @@
       </p:sp>
       <p:sp>
         <p:nvSpPr>
-          <p:cNvPr id="144" name="Google Shape;144;g35c762ae955_0_23"/>
+          <p:cNvPr id="143" name="Google Shape;143;g35c762ae955_0_23"/>
           <p:cNvSpPr/>
           <p:nvPr/>
         </p:nvSpPr>
@@ -18295,7 +18065,7 @@
       </p:sp>
       <p:sp>
         <p:nvSpPr>
-          <p:cNvPr id="145" name="Google Shape;145;g35c762ae955_0_23"/>
+          <p:cNvPr id="144" name="Google Shape;144;g35c762ae955_0_23"/>
           <p:cNvSpPr txBox="1"/>
           <p:nvPr>
             <p:ph type="ctrTitle"/>
@@ -18316,7 +18086,7 @@
         </p:spPr>
         <p:txBody>
           <a:bodyPr anchorCtr="0" anchor="b" bIns="45700" lIns="91425" spcFirstLastPara="1" rIns="91425" wrap="square" tIns="45700">
-            <a:normAutofit fontScale="90000"/>
+            <a:normAutofit/>
           </a:bodyPr>
           <a:lstStyle/>
           <a:p>
@@ -18333,13 +18103,13 @@
               <a:buClr>
                 <a:schemeClr val="dk1"/>
               </a:buClr>
-              <a:buSzPct val="171428"/>
+              <a:buSzPts val="6000"/>
               <a:buFont typeface="Century Gothic"/>
               <a:buNone/>
             </a:pPr>
             <a:r>
               <a:rPr lang="en-US" sz="3500"/>
-              <a:t>Fundamentos de proyectos</a:t>
+              <a:t>Clientes</a:t>
             </a:r>
             <a:endParaRPr sz="2000"/>
           </a:p>
@@ -18347,7 +18117,7 @@
       </p:sp>
       <p:sp>
         <p:nvSpPr>
-          <p:cNvPr id="146" name="Google Shape;146;g35c762ae955_0_23"/>
+          <p:cNvPr id="145" name="Google Shape;145;g35c762ae955_0_23"/>
           <p:cNvSpPr/>
           <p:nvPr/>
         </p:nvSpPr>
@@ -18406,7 +18176,7 @@
       </p:sp>
       <p:sp>
         <p:nvSpPr>
-          <p:cNvPr id="147" name="Google Shape;147;g35c762ae955_0_23"/>
+          <p:cNvPr id="146" name="Google Shape;146;g35c762ae955_0_23"/>
           <p:cNvSpPr/>
           <p:nvPr/>
         </p:nvSpPr>
@@ -18496,7 +18266,7 @@
       </p:sp>
       <p:sp>
         <p:nvSpPr>
-          <p:cNvPr id="148" name="Google Shape;148;g35c762ae955_0_23"/>
+          <p:cNvPr id="147" name="Google Shape;147;g35c762ae955_0_23"/>
           <p:cNvSpPr/>
           <p:nvPr/>
         </p:nvSpPr>
@@ -18582,13 +18352,13 @@
       </p:sp>
       <p:sp>
         <p:nvSpPr>
-          <p:cNvPr id="149" name="Google Shape;149;g35c762ae955_0_23"/>
+          <p:cNvPr id="148" name="Google Shape;148;g35c762ae955_0_23"/>
           <p:cNvSpPr txBox="1"/>
           <p:nvPr/>
         </p:nvSpPr>
         <p:spPr>
           <a:xfrm>
-            <a:off x="646475" y="1275703"/>
+            <a:off x="1212725" y="2418703"/>
             <a:ext cx="3702300" cy="834000"/>
           </a:xfrm>
           <a:prstGeom prst="rect">
@@ -18634,7 +18404,75 @@
                 <a:cs typeface="Century Gothic"/>
                 <a:sym typeface="Century Gothic"/>
               </a:rPr>
-              <a:t>Relevancia del proyecto</a:t>
+              <a:t>Dueños de negocios</a:t>
+            </a:r>
+            <a:endParaRPr b="0" i="0" sz="2400" u="none" cap="none" strike="noStrike">
+              <a:solidFill>
+                <a:schemeClr val="dk1"/>
+              </a:solidFill>
+              <a:latin typeface="Century Gothic"/>
+              <a:ea typeface="Century Gothic"/>
+              <a:cs typeface="Century Gothic"/>
+              <a:sym typeface="Century Gothic"/>
+            </a:endParaRPr>
+          </a:p>
+        </p:txBody>
+      </p:sp>
+      <p:sp>
+        <p:nvSpPr>
+          <p:cNvPr id="149" name="Google Shape;149;g35c762ae955_0_23"/>
+          <p:cNvSpPr txBox="1"/>
+          <p:nvPr/>
+        </p:nvSpPr>
+        <p:spPr>
+          <a:xfrm>
+            <a:off x="1212725" y="4408175"/>
+            <a:ext cx="4080900" cy="834000"/>
+          </a:xfrm>
+          <a:prstGeom prst="rect">
+            <a:avLst/>
+          </a:prstGeom>
+          <a:solidFill>
+            <a:srgbClr val="FFE599"/>
+          </a:solidFill>
+          <a:ln>
+            <a:noFill/>
+          </a:ln>
+        </p:spPr>
+        <p:txBody>
+          <a:bodyPr anchorCtr="0" anchor="t" bIns="91425" lIns="91425" spcFirstLastPara="1" rIns="91425" wrap="square" tIns="91425">
+            <a:noAutofit/>
+          </a:bodyPr>
+          <a:lstStyle/>
+          <a:p>
+            <a:pPr indent="0" lvl="0" marL="0" marR="0" rtl="0" algn="l">
+              <a:lnSpc>
+                <a:spcPct val="100000"/>
+              </a:lnSpc>
+              <a:spcBef>
+                <a:spcPts val="0"/>
+              </a:spcBef>
+              <a:spcAft>
+                <a:spcPts val="0"/>
+              </a:spcAft>
+              <a:buClr>
+                <a:srgbClr val="000000"/>
+              </a:buClr>
+              <a:buSzPts val="2400"/>
+              <a:buFont typeface="Arial"/>
+              <a:buNone/>
+            </a:pPr>
+            <a:r>
+              <a:rPr lang="en-US" sz="2400">
+                <a:solidFill>
+                  <a:schemeClr val="dk1"/>
+                </a:solidFill>
+                <a:latin typeface="Century Gothic"/>
+                <a:ea typeface="Century Gothic"/>
+                <a:cs typeface="Century Gothic"/>
+                <a:sym typeface="Century Gothic"/>
+              </a:rPr>
+              <a:t>Almacenes</a:t>
             </a:r>
             <a:endParaRPr b="0" i="0" sz="2400" u="none" cap="none" strike="noStrike">
               <a:solidFill>
@@ -18656,87 +18494,7 @@
         </p:nvSpPr>
         <p:spPr>
           <a:xfrm>
-            <a:off x="646475" y="3265175"/>
-            <a:ext cx="4080900" cy="834000"/>
-          </a:xfrm>
-          <a:prstGeom prst="rect">
-            <a:avLst/>
-          </a:prstGeom>
-          <a:solidFill>
-            <a:srgbClr val="FFE599"/>
-          </a:solidFill>
-          <a:ln>
-            <a:noFill/>
-          </a:ln>
-        </p:spPr>
-        <p:txBody>
-          <a:bodyPr anchorCtr="0" anchor="t" bIns="91425" lIns="91425" spcFirstLastPara="1" rIns="91425" wrap="square" tIns="91425">
-            <a:noAutofit/>
-          </a:bodyPr>
-          <a:lstStyle/>
-          <a:p>
-            <a:pPr indent="0" lvl="0" marL="0" marR="0" rtl="0" algn="l">
-              <a:lnSpc>
-                <a:spcPct val="100000"/>
-              </a:lnSpc>
-              <a:spcBef>
-                <a:spcPts val="0"/>
-              </a:spcBef>
-              <a:spcAft>
-                <a:spcPts val="0"/>
-              </a:spcAft>
-              <a:buClr>
-                <a:srgbClr val="000000"/>
-              </a:buClr>
-              <a:buSzPts val="2400"/>
-              <a:buFont typeface="Arial"/>
-              <a:buNone/>
-            </a:pPr>
-            <a:r>
-              <a:rPr lang="en-US" sz="2400">
-                <a:solidFill>
-                  <a:schemeClr val="dk1"/>
-                </a:solidFill>
-                <a:latin typeface="Century Gothic"/>
-                <a:ea typeface="Century Gothic"/>
-                <a:cs typeface="Century Gothic"/>
-                <a:sym typeface="Century Gothic"/>
-              </a:rPr>
-              <a:t>Pertinencia con perfil de </a:t>
-            </a:r>
-            <a:r>
-              <a:rPr lang="en-US" sz="2400">
-                <a:solidFill>
-                  <a:schemeClr val="dk1"/>
-                </a:solidFill>
-                <a:latin typeface="Century Gothic"/>
-                <a:ea typeface="Century Gothic"/>
-                <a:cs typeface="Century Gothic"/>
-                <a:sym typeface="Century Gothic"/>
-              </a:rPr>
-              <a:t>egreso</a:t>
-            </a:r>
-            <a:endParaRPr b="0" i="0" sz="2400" u="none" cap="none" strike="noStrike">
-              <a:solidFill>
-                <a:schemeClr val="dk1"/>
-              </a:solidFill>
-              <a:latin typeface="Century Gothic"/>
-              <a:ea typeface="Century Gothic"/>
-              <a:cs typeface="Century Gothic"/>
-              <a:sym typeface="Century Gothic"/>
-            </a:endParaRPr>
-          </a:p>
-        </p:txBody>
-      </p:sp>
-      <p:sp>
-        <p:nvSpPr>
-          <p:cNvPr id="151" name="Google Shape;151;g35c762ae955_0_23"/>
-          <p:cNvSpPr txBox="1"/>
-          <p:nvPr/>
-        </p:nvSpPr>
-        <p:spPr>
-          <a:xfrm>
-            <a:off x="646475" y="2472313"/>
+            <a:off x="1212725" y="3615313"/>
             <a:ext cx="3475200" cy="599400"/>
           </a:xfrm>
           <a:prstGeom prst="rect">
@@ -18782,7 +18540,7 @@
                 <a:cs typeface="Century Gothic"/>
                 <a:sym typeface="Century Gothic"/>
               </a:rPr>
-              <a:t>Descripción</a:t>
+              <a:t>Pymes</a:t>
             </a:r>
             <a:endParaRPr b="0" i="0" sz="2400" u="none" cap="none" strike="noStrike">
               <a:solidFill>
@@ -18798,7 +18556,7 @@
       </p:sp>
       <p:pic>
         <p:nvPicPr>
-          <p:cNvPr id="152" name="Google Shape;152;g35c762ae955_0_23" title="descarga (3).png"/>
+          <p:cNvPr id="151" name="Google Shape;151;g35c762ae955_0_23" title="descarga (3).png"/>
           <p:cNvPicPr preferRelativeResize="0"/>
           <p:nvPr/>
         </p:nvPicPr>
@@ -18823,154 +18581,6 @@
           </a:ln>
         </p:spPr>
       </p:pic>
-      <p:sp>
-        <p:nvSpPr>
-          <p:cNvPr id="153" name="Google Shape;153;g35c762ae955_0_23"/>
-          <p:cNvSpPr txBox="1"/>
-          <p:nvPr/>
-        </p:nvSpPr>
-        <p:spPr>
-          <a:xfrm>
-            <a:off x="646475" y="5254638"/>
-            <a:ext cx="3475200" cy="599400"/>
-          </a:xfrm>
-          <a:prstGeom prst="rect">
-            <a:avLst/>
-          </a:prstGeom>
-          <a:solidFill>
-            <a:srgbClr val="D9D2E9"/>
-          </a:solidFill>
-          <a:ln>
-            <a:noFill/>
-          </a:ln>
-        </p:spPr>
-        <p:txBody>
-          <a:bodyPr anchorCtr="0" anchor="t" bIns="91425" lIns="91425" spcFirstLastPara="1" rIns="91425" wrap="square" tIns="91425">
-            <a:noAutofit/>
-          </a:bodyPr>
-          <a:lstStyle/>
-          <a:p>
-            <a:pPr indent="0" lvl="0" marL="0" marR="0" rtl="0" algn="l">
-              <a:lnSpc>
-                <a:spcPct val="100000"/>
-              </a:lnSpc>
-              <a:spcBef>
-                <a:spcPts val="0"/>
-              </a:spcBef>
-              <a:spcAft>
-                <a:spcPts val="0"/>
-              </a:spcAft>
-              <a:buClr>
-                <a:srgbClr val="000000"/>
-              </a:buClr>
-              <a:buSzPts val="2400"/>
-              <a:buFont typeface="Arial"/>
-              <a:buNone/>
-            </a:pPr>
-            <a:r>
-              <a:rPr lang="en-US" sz="2400">
-                <a:solidFill>
-                  <a:schemeClr val="dk1"/>
-                </a:solidFill>
-                <a:latin typeface="Century Gothic"/>
-                <a:ea typeface="Century Gothic"/>
-                <a:cs typeface="Century Gothic"/>
-                <a:sym typeface="Century Gothic"/>
-              </a:rPr>
-              <a:t>Factibilidad</a:t>
-            </a:r>
-            <a:endParaRPr b="0" i="0" sz="2400" u="none" cap="none" strike="noStrike">
-              <a:solidFill>
-                <a:schemeClr val="dk1"/>
-              </a:solidFill>
-              <a:latin typeface="Century Gothic"/>
-              <a:ea typeface="Century Gothic"/>
-              <a:cs typeface="Century Gothic"/>
-              <a:sym typeface="Century Gothic"/>
-            </a:endParaRPr>
-          </a:p>
-        </p:txBody>
-      </p:sp>
-      <p:sp>
-        <p:nvSpPr>
-          <p:cNvPr id="154" name="Google Shape;154;g35c762ae955_0_23"/>
-          <p:cNvSpPr txBox="1"/>
-          <p:nvPr/>
-        </p:nvSpPr>
-        <p:spPr>
-          <a:xfrm>
-            <a:off x="646475" y="4292625"/>
-            <a:ext cx="4080900" cy="834000"/>
-          </a:xfrm>
-          <a:prstGeom prst="rect">
-            <a:avLst/>
-          </a:prstGeom>
-          <a:solidFill>
-            <a:srgbClr val="D9EAD3"/>
-          </a:solidFill>
-          <a:ln>
-            <a:noFill/>
-          </a:ln>
-        </p:spPr>
-        <p:txBody>
-          <a:bodyPr anchorCtr="0" anchor="t" bIns="91425" lIns="91425" spcFirstLastPara="1" rIns="91425" wrap="square" tIns="91425">
-            <a:noAutofit/>
-          </a:bodyPr>
-          <a:lstStyle/>
-          <a:p>
-            <a:pPr indent="0" lvl="0" marL="0" marR="0" rtl="0" algn="l">
-              <a:lnSpc>
-                <a:spcPct val="100000"/>
-              </a:lnSpc>
-              <a:spcBef>
-                <a:spcPts val="0"/>
-              </a:spcBef>
-              <a:spcAft>
-                <a:spcPts val="0"/>
-              </a:spcAft>
-              <a:buClr>
-                <a:srgbClr val="000000"/>
-              </a:buClr>
-              <a:buSzPts val="2400"/>
-              <a:buFont typeface="Arial"/>
-              <a:buNone/>
-            </a:pPr>
-            <a:r>
-              <a:rPr lang="en-US" sz="2400">
-                <a:solidFill>
-                  <a:schemeClr val="dk1"/>
-                </a:solidFill>
-                <a:latin typeface="Century Gothic"/>
-                <a:ea typeface="Century Gothic"/>
-                <a:cs typeface="Century Gothic"/>
-                <a:sym typeface="Century Gothic"/>
-              </a:rPr>
-              <a:t>Relación</a:t>
-            </a:r>
-            <a:r>
-              <a:rPr lang="en-US" sz="2400">
-                <a:solidFill>
-                  <a:schemeClr val="dk1"/>
-                </a:solidFill>
-                <a:latin typeface="Century Gothic"/>
-                <a:ea typeface="Century Gothic"/>
-                <a:cs typeface="Century Gothic"/>
-                <a:sym typeface="Century Gothic"/>
-              </a:rPr>
-              <a:t> con intereses profesionales</a:t>
-            </a:r>
-            <a:endParaRPr b="0" i="0" sz="2400" u="none" cap="none" strike="noStrike">
-              <a:solidFill>
-                <a:schemeClr val="dk1"/>
-              </a:solidFill>
-              <a:latin typeface="Century Gothic"/>
-              <a:ea typeface="Century Gothic"/>
-              <a:cs typeface="Century Gothic"/>
-              <a:sym typeface="Century Gothic"/>
-            </a:endParaRPr>
-          </a:p>
-        </p:txBody>
-      </p:sp>
     </p:spTree>
   </p:cSld>
   <p:clrMapOvr>
@@ -18991,7 +18601,7 @@
     </p:bg>
     <p:spTree>
       <p:nvGrpSpPr>
-        <p:cNvPr id="158" name="Shape 158"/>
+        <p:cNvPr id="155" name="Shape 155"/>
         <p:cNvGrpSpPr/>
         <p:nvPr/>
       </p:nvGrpSpPr>
@@ -19005,7 +18615,7 @@
       </p:grpSpPr>
       <p:sp>
         <p:nvSpPr>
-          <p:cNvPr id="159" name="Google Shape;159;g34c777f7950_0_16"/>
+          <p:cNvPr id="156" name="Google Shape;156;g34c777f7950_0_16"/>
           <p:cNvSpPr txBox="1"/>
           <p:nvPr>
             <p:ph type="ctrTitle"/>
@@ -19049,11 +18659,7 @@
             </a:pPr>
             <a:r>
               <a:rPr lang="en-US" sz="3500"/>
-              <a:t>Objetivos y </a:t>
-            </a:r>
-            <a:r>
-              <a:rPr lang="en-US" sz="3500"/>
-              <a:t>metodología</a:t>
+              <a:t>Solucion definida</a:t>
             </a:r>
             <a:endParaRPr sz="3500"/>
           </a:p>
@@ -19061,7 +18667,7 @@
       </p:sp>
       <p:sp>
         <p:nvSpPr>
-          <p:cNvPr id="160" name="Google Shape;160;g34c777f7950_0_16"/>
+          <p:cNvPr id="157" name="Google Shape;157;g34c777f7950_0_16"/>
           <p:cNvSpPr/>
           <p:nvPr/>
         </p:nvSpPr>
@@ -19144,7 +18750,7 @@
       </p:sp>
       <p:sp>
         <p:nvSpPr>
-          <p:cNvPr id="161" name="Google Shape;161;g34c777f7950_0_16"/>
+          <p:cNvPr id="158" name="Google Shape;158;g34c777f7950_0_16"/>
           <p:cNvSpPr/>
           <p:nvPr/>
         </p:nvSpPr>
@@ -19236,7 +18842,7 @@
       </p:sp>
       <p:sp>
         <p:nvSpPr>
-          <p:cNvPr id="162" name="Google Shape;162;g34c777f7950_0_16"/>
+          <p:cNvPr id="159" name="Google Shape;159;g34c777f7950_0_16"/>
           <p:cNvSpPr/>
           <p:nvPr/>
         </p:nvSpPr>
@@ -19319,7 +18925,7 @@
       </p:sp>
       <p:sp>
         <p:nvSpPr>
-          <p:cNvPr id="163" name="Google Shape;163;g34c777f7950_0_16"/>
+          <p:cNvPr id="160" name="Google Shape;160;g34c777f7950_0_16"/>
           <p:cNvSpPr/>
           <p:nvPr/>
         </p:nvSpPr>
@@ -19405,7 +19011,7 @@
       </p:sp>
       <p:sp>
         <p:nvSpPr>
-          <p:cNvPr id="164" name="Google Shape;164;g34c777f7950_0_16"/>
+          <p:cNvPr id="161" name="Google Shape;161;g34c777f7950_0_16"/>
           <p:cNvSpPr txBox="1"/>
           <p:nvPr/>
         </p:nvSpPr>
@@ -19457,7 +19063,7 @@
                 <a:cs typeface="Century Gothic"/>
                 <a:sym typeface="Century Gothic"/>
               </a:rPr>
-              <a:t>Objetivo general</a:t>
+              <a:t>Asistente inteligente</a:t>
             </a:r>
             <a:endParaRPr b="0" i="0" sz="2400" u="none" cap="none" strike="noStrike">
               <a:solidFill>
@@ -19473,14 +19079,14 @@
       </p:sp>
       <p:sp>
         <p:nvSpPr>
-          <p:cNvPr id="165" name="Google Shape;165;g34c777f7950_0_16"/>
+          <p:cNvPr id="162" name="Google Shape;162;g34c777f7950_0_16"/>
           <p:cNvSpPr txBox="1"/>
           <p:nvPr/>
         </p:nvSpPr>
         <p:spPr>
           <a:xfrm>
-            <a:off x="1372046" y="4172625"/>
-            <a:ext cx="2759400" cy="599400"/>
+            <a:off x="1352225" y="4109700"/>
+            <a:ext cx="3702300" cy="599400"/>
           </a:xfrm>
           <a:prstGeom prst="rect">
             <a:avLst/>
@@ -19525,7 +19131,7 @@
                 <a:cs typeface="Century Gothic"/>
                 <a:sym typeface="Century Gothic"/>
               </a:rPr>
-              <a:t>Metodologia agil</a:t>
+              <a:t>Sistema de compras</a:t>
             </a:r>
             <a:endParaRPr b="0" i="0" sz="2400" u="none" cap="none" strike="noStrike">
               <a:solidFill>
@@ -19541,14 +19147,14 @@
       </p:sp>
       <p:sp>
         <p:nvSpPr>
-          <p:cNvPr id="166" name="Google Shape;166;g34c777f7950_0_16"/>
+          <p:cNvPr id="163" name="Google Shape;163;g34c777f7950_0_16"/>
           <p:cNvSpPr txBox="1"/>
           <p:nvPr/>
         </p:nvSpPr>
         <p:spPr>
           <a:xfrm>
             <a:off x="1352225" y="3423250"/>
-            <a:ext cx="4080900" cy="599100"/>
+            <a:ext cx="3702300" cy="599100"/>
           </a:xfrm>
           <a:prstGeom prst="rect">
             <a:avLst/>
@@ -19593,7 +19199,7 @@
                 <a:cs typeface="Century Gothic"/>
                 <a:sym typeface="Century Gothic"/>
               </a:rPr>
-              <a:t>Objetivos especificos</a:t>
+              <a:t>Inventario </a:t>
             </a:r>
             <a:endParaRPr b="0" i="0" sz="2400" u="none" cap="none" strike="noStrike">
               <a:solidFill>
@@ -19609,7 +19215,7 @@
       </p:sp>
       <p:pic>
         <p:nvPicPr>
-          <p:cNvPr id="167" name="Google Shape;167;g34c777f7950_0_16"/>
+          <p:cNvPr id="164" name="Google Shape;164;g34c777f7950_0_16"/>
           <p:cNvPicPr preferRelativeResize="0"/>
           <p:nvPr/>
         </p:nvPicPr>
@@ -19655,7 +19261,7 @@
     </p:bg>
     <p:spTree>
       <p:nvGrpSpPr>
-        <p:cNvPr id="171" name="Shape 171"/>
+        <p:cNvPr id="168" name="Shape 168"/>
         <p:cNvGrpSpPr/>
         <p:nvPr/>
       </p:nvGrpSpPr>
@@ -19669,7 +19275,7 @@
       </p:grpSpPr>
       <p:sp>
         <p:nvSpPr>
-          <p:cNvPr id="172" name="Google Shape;172;g35c762ae955_0_7"/>
+          <p:cNvPr id="169" name="Google Shape;169;g35c762ae955_0_68"/>
           <p:cNvSpPr txBox="1"/>
           <p:nvPr>
             <p:ph type="ctrTitle"/>
@@ -19677,8 +19283,8 @@
         </p:nvSpPr>
         <p:spPr>
           <a:xfrm>
-            <a:off x="2186425" y="390125"/>
-            <a:ext cx="7050900" cy="591000"/>
+            <a:off x="2933875" y="-416550"/>
+            <a:ext cx="7028700" cy="1424100"/>
           </a:xfrm>
           <a:prstGeom prst="rect">
             <a:avLst/>
@@ -19712,16 +19318,16 @@
               <a:buNone/>
             </a:pPr>
             <a:r>
-              <a:rPr lang="en-US" sz="3500"/>
-              <a:t>Carta gantt</a:t>
+              <a:rPr lang="en-US" sz="4000"/>
+              <a:t>Conclusiones generales</a:t>
             </a:r>
-            <a:endParaRPr sz="3500"/>
+            <a:endParaRPr sz="4000"/>
           </a:p>
         </p:txBody>
       </p:sp>
       <p:sp>
         <p:nvSpPr>
-          <p:cNvPr id="173" name="Google Shape;173;g35c762ae955_0_7"/>
+          <p:cNvPr id="170" name="Google Shape;170;g35c762ae955_0_68"/>
           <p:cNvSpPr/>
           <p:nvPr/>
         </p:nvSpPr>
@@ -19804,7 +19410,7 @@
       </p:sp>
       <p:sp>
         <p:nvSpPr>
-          <p:cNvPr id="174" name="Google Shape;174;g35c762ae955_0_7"/>
+          <p:cNvPr id="171" name="Google Shape;171;g35c762ae955_0_68"/>
           <p:cNvSpPr/>
           <p:nvPr/>
         </p:nvSpPr>
@@ -19896,7 +19502,7 @@
       </p:sp>
       <p:sp>
         <p:nvSpPr>
-          <p:cNvPr id="175" name="Google Shape;175;g35c762ae955_0_7"/>
+          <p:cNvPr id="172" name="Google Shape;172;g35c762ae955_0_68"/>
           <p:cNvSpPr/>
           <p:nvPr/>
         </p:nvSpPr>
@@ -19979,463 +19585,7 @@
       </p:sp>
       <p:sp>
         <p:nvSpPr>
-          <p:cNvPr id="176" name="Google Shape;176;g35c762ae955_0_7"/>
-          <p:cNvSpPr/>
-          <p:nvPr/>
-        </p:nvSpPr>
-        <p:spPr>
-          <a:xfrm flipH="1">
-            <a:off x="10330470" y="6258755"/>
-            <a:ext cx="1565940" cy="599245"/>
-          </a:xfrm>
-          <a:custGeom>
-            <a:rect b="b" l="l" r="r" t="t"/>
-            <a:pathLst>
-              <a:path extrusionOk="0" h="599245" w="1565940">
-                <a:moveTo>
-                  <a:pt x="782970" y="0"/>
-                </a:moveTo>
-                <a:cubicBezTo>
-                  <a:pt x="1117910" y="0"/>
-                  <a:pt x="1405287" y="198118"/>
-                  <a:pt x="1528042" y="480469"/>
-                </a:cubicBezTo>
-                <a:lnTo>
-                  <a:pt x="1565940" y="599245"/>
-                </a:lnTo>
-                <a:lnTo>
-                  <a:pt x="0" y="599245"/>
-                </a:lnTo>
-                <a:lnTo>
-                  <a:pt x="37898" y="480469"/>
-                </a:lnTo>
-                <a:cubicBezTo>
-                  <a:pt x="160653" y="198118"/>
-                  <a:pt x="448030" y="0"/>
-                  <a:pt x="782970" y="0"/>
-                </a:cubicBezTo>
-                <a:close/>
-              </a:path>
-            </a:pathLst>
-          </a:custGeom>
-          <a:solidFill>
-            <a:schemeClr val="accent2"/>
-          </a:solidFill>
-          <a:ln>
-            <a:noFill/>
-          </a:ln>
-        </p:spPr>
-        <p:txBody>
-          <a:bodyPr anchorCtr="0" anchor="ctr" bIns="45700" lIns="91425" spcFirstLastPara="1" rIns="91425" wrap="square" tIns="45700">
-            <a:noAutofit/>
-          </a:bodyPr>
-          <a:lstStyle/>
-          <a:p>
-            <a:pPr indent="0" lvl="0" marL="0" marR="0" rtl="0" algn="ctr">
-              <a:lnSpc>
-                <a:spcPct val="100000"/>
-              </a:lnSpc>
-              <a:spcBef>
-                <a:spcPts val="0"/>
-              </a:spcBef>
-              <a:spcAft>
-                <a:spcPts val="0"/>
-              </a:spcAft>
-              <a:buClr>
-                <a:schemeClr val="lt1"/>
-              </a:buClr>
-              <a:buSzPts val="1800"/>
-              <a:buFont typeface="Century Gothic"/>
-              <a:buNone/>
-            </a:pPr>
-            <a:r>
-              <a:t/>
-            </a:r>
-            <a:endParaRPr b="0" i="0" sz="1800" u="none" cap="none" strike="noStrike">
-              <a:solidFill>
-                <a:srgbClr val="FFFFFF"/>
-              </a:solidFill>
-              <a:latin typeface="Calibri"/>
-              <a:ea typeface="Calibri"/>
-              <a:cs typeface="Calibri"/>
-              <a:sym typeface="Calibri"/>
-            </a:endParaRPr>
-          </a:p>
-        </p:txBody>
-      </p:sp>
-      <p:pic>
-        <p:nvPicPr>
-          <p:cNvPr id="177" name="Google Shape;177;g35c762ae955_0_7"/>
-          <p:cNvPicPr preferRelativeResize="0"/>
-          <p:nvPr/>
-        </p:nvPicPr>
-        <p:blipFill>
-          <a:blip r:embed="rId3">
-            <a:alphaModFix/>
-          </a:blip>
-          <a:stretch>
-            <a:fillRect/>
-          </a:stretch>
-        </p:blipFill>
-        <p:spPr>
-          <a:xfrm>
-            <a:off x="2304091" y="1201700"/>
-            <a:ext cx="6784058" cy="5572075"/>
-          </a:xfrm>
-          <a:prstGeom prst="rect">
-            <a:avLst/>
-          </a:prstGeom>
-          <a:noFill/>
-          <a:ln>
-            <a:noFill/>
-          </a:ln>
-        </p:spPr>
-      </p:pic>
-    </p:spTree>
-  </p:cSld>
-  <p:clrMapOvr>
-    <a:masterClrMapping/>
-  </p:clrMapOvr>
-</p:sld>
-</file>
-
-<file path=ppt/slides/slide7.xml><?xml version="1.0" encoding="utf-8"?>
-<p:sld xmlns:a="http://schemas.openxmlformats.org/drawingml/2006/main" xmlns:r="http://schemas.openxmlformats.org/officeDocument/2006/relationships" xmlns:mc="http://schemas.openxmlformats.org/markup-compatibility/2006" xmlns:mv="urn:schemas-microsoft-com:mac:vml" xmlns:p="http://schemas.openxmlformats.org/presentationml/2006/main" xmlns:c="http://schemas.openxmlformats.org/drawingml/2006/chart" xmlns:dgm="http://schemas.openxmlformats.org/drawingml/2006/diagram" xmlns:o="urn:schemas-microsoft-com:office:office" xmlns:v="urn:schemas-microsoft-com:vml" xmlns:pvml="urn:schemas-microsoft-com:office:powerpoint" xmlns:com="http://schemas.openxmlformats.org/drawingml/2006/compatibility" xmlns:p14="http://schemas.microsoft.com/office/powerpoint/2010/main" xmlns:p15="http://schemas.microsoft.com/office/powerpoint/2012/main" xmlns:ahyp="http://schemas.microsoft.com/office/drawing/2018/hyperlinkcolor">
-  <p:cSld>
-    <p:bg>
-      <p:bgPr>
-        <a:solidFill>
-          <a:schemeClr val="lt1"/>
-        </a:solidFill>
-      </p:bgPr>
-    </p:bg>
-    <p:spTree>
-      <p:nvGrpSpPr>
-        <p:cNvPr id="181" name="Shape 181"/>
-        <p:cNvGrpSpPr/>
-        <p:nvPr/>
-      </p:nvGrpSpPr>
-      <p:grpSpPr>
-        <a:xfrm>
-          <a:off x="0" y="0"/>
-          <a:ext cx="0" cy="0"/>
-          <a:chOff x="0" y="0"/>
-          <a:chExt cx="0" cy="0"/>
-        </a:xfrm>
-      </p:grpSpPr>
-      <p:sp>
-        <p:nvSpPr>
-          <p:cNvPr id="182" name="Google Shape;182;g35c762ae955_0_68"/>
-          <p:cNvSpPr txBox="1"/>
-          <p:nvPr>
-            <p:ph type="ctrTitle"/>
-          </p:nvPr>
-        </p:nvSpPr>
-        <p:spPr>
-          <a:xfrm>
-            <a:off x="2933875" y="-416550"/>
-            <a:ext cx="7028700" cy="1424100"/>
-          </a:xfrm>
-          <a:prstGeom prst="rect">
-            <a:avLst/>
-          </a:prstGeom>
-          <a:noFill/>
-          <a:ln>
-            <a:noFill/>
-          </a:ln>
-        </p:spPr>
-        <p:txBody>
-          <a:bodyPr anchorCtr="0" anchor="b" bIns="45700" lIns="91425" spcFirstLastPara="1" rIns="91425" wrap="square" tIns="45700">
-            <a:normAutofit/>
-          </a:bodyPr>
-          <a:lstStyle/>
-          <a:p>
-            <a:pPr indent="0" lvl="0" marL="0" rtl="0" algn="ctr">
-              <a:lnSpc>
-                <a:spcPct val="90000"/>
-              </a:lnSpc>
-              <a:spcBef>
-                <a:spcPts val="0"/>
-              </a:spcBef>
-              <a:spcAft>
-                <a:spcPts val="0"/>
-              </a:spcAft>
-              <a:buClr>
-                <a:schemeClr val="dk1"/>
-              </a:buClr>
-              <a:buSzPts val="4000"/>
-              <a:buFont typeface="Century Gothic"/>
-              <a:buNone/>
-            </a:pPr>
-            <a:r>
-              <a:rPr lang="en-US" sz="4000"/>
-              <a:t>Conclusiones generales</a:t>
-            </a:r>
-            <a:endParaRPr sz="4000"/>
-          </a:p>
-        </p:txBody>
-      </p:sp>
-      <p:sp>
-        <p:nvSpPr>
-          <p:cNvPr id="183" name="Google Shape;183;g35c762ae955_0_68"/>
-          <p:cNvSpPr/>
-          <p:nvPr/>
-        </p:nvSpPr>
-        <p:spPr>
-          <a:xfrm flipH="1">
-            <a:off x="530529" y="1"/>
-            <a:ext cx="1155142" cy="591009"/>
-          </a:xfrm>
-          <a:custGeom>
-            <a:rect b="b" l="l" r="r" t="t"/>
-            <a:pathLst>
-              <a:path extrusionOk="0" h="591009" w="1155142">
-                <a:moveTo>
-                  <a:pt x="1355" y="0"/>
-                </a:moveTo>
-                <a:lnTo>
-                  <a:pt x="1153787" y="0"/>
-                </a:lnTo>
-                <a:lnTo>
-                  <a:pt x="1155142" y="13438"/>
-                </a:lnTo>
-                <a:cubicBezTo>
-                  <a:pt x="1155142" y="332422"/>
-                  <a:pt x="896555" y="591009"/>
-                  <a:pt x="577571" y="591009"/>
-                </a:cubicBezTo>
-                <a:cubicBezTo>
-                  <a:pt x="258587" y="591009"/>
-                  <a:pt x="0" y="332422"/>
-                  <a:pt x="0" y="13438"/>
-                </a:cubicBezTo>
-                <a:close/>
-              </a:path>
-            </a:pathLst>
-          </a:custGeom>
-          <a:solidFill>
-            <a:schemeClr val="accent5"/>
-          </a:solidFill>
-          <a:ln>
-            <a:noFill/>
-          </a:ln>
-        </p:spPr>
-        <p:txBody>
-          <a:bodyPr anchorCtr="0" anchor="ctr" bIns="45700" lIns="91425" spcFirstLastPara="1" rIns="91425" wrap="square" tIns="45700">
-            <a:noAutofit/>
-          </a:bodyPr>
-          <a:lstStyle/>
-          <a:p>
-            <a:pPr indent="0" lvl="0" marL="0" marR="0" rtl="0" algn="ctr">
-              <a:lnSpc>
-                <a:spcPct val="100000"/>
-              </a:lnSpc>
-              <a:spcBef>
-                <a:spcPts val="0"/>
-              </a:spcBef>
-              <a:spcAft>
-                <a:spcPts val="0"/>
-              </a:spcAft>
-              <a:buClr>
-                <a:schemeClr val="lt1"/>
-              </a:buClr>
-              <a:buSzPts val="1800"/>
-              <a:buFont typeface="Century Gothic"/>
-              <a:buNone/>
-            </a:pPr>
-            <a:r>
-              <a:t/>
-            </a:r>
-            <a:endParaRPr b="0" i="0" sz="1800" u="none" cap="none" strike="noStrike">
-              <a:solidFill>
-                <a:srgbClr val="FFFFFF"/>
-              </a:solidFill>
-              <a:latin typeface="Calibri"/>
-              <a:ea typeface="Calibri"/>
-              <a:cs typeface="Calibri"/>
-              <a:sym typeface="Calibri"/>
-            </a:endParaRPr>
-          </a:p>
-        </p:txBody>
-      </p:sp>
-      <p:sp>
-        <p:nvSpPr>
-          <p:cNvPr id="184" name="Google Shape;184;g35c762ae955_0_68"/>
-          <p:cNvSpPr/>
-          <p:nvPr/>
-        </p:nvSpPr>
-        <p:spPr>
-          <a:xfrm flipH="1" rot="5400000">
-            <a:off x="10843531" y="2080531"/>
-            <a:ext cx="1737401" cy="959536"/>
-          </a:xfrm>
-          <a:custGeom>
-            <a:rect b="b" l="l" r="r" t="t"/>
-            <a:pathLst>
-              <a:path extrusionOk="0" h="959536" w="1737401">
-                <a:moveTo>
-                  <a:pt x="0" y="0"/>
-                </a:moveTo>
-                <a:lnTo>
-                  <a:pt x="123825" y="0"/>
-                </a:lnTo>
-                <a:lnTo>
-                  <a:pt x="123825" y="790277"/>
-                </a:lnTo>
-                <a:lnTo>
-                  <a:pt x="1490095" y="0"/>
-                </a:lnTo>
-                <a:lnTo>
-                  <a:pt x="1737401" y="0"/>
-                </a:lnTo>
-                <a:lnTo>
-                  <a:pt x="92869" y="951249"/>
-                </a:lnTo>
-                <a:cubicBezTo>
-                  <a:pt x="83458" y="956688"/>
-                  <a:pt x="72780" y="959546"/>
-                  <a:pt x="61913" y="959536"/>
-                </a:cubicBezTo>
-                <a:cubicBezTo>
-                  <a:pt x="27719" y="959536"/>
-                  <a:pt x="0" y="931818"/>
-                  <a:pt x="0" y="897624"/>
-                </a:cubicBezTo>
-                <a:close/>
-              </a:path>
-            </a:pathLst>
-          </a:custGeom>
-          <a:solidFill>
-            <a:schemeClr val="accent6"/>
-          </a:solidFill>
-          <a:ln>
-            <a:noFill/>
-          </a:ln>
-        </p:spPr>
-        <p:txBody>
-          <a:bodyPr anchorCtr="0" anchor="ctr" bIns="45700" lIns="91425" spcFirstLastPara="1" rIns="91425" wrap="square" tIns="45700">
-            <a:noAutofit/>
-          </a:bodyPr>
-          <a:lstStyle/>
-          <a:p>
-            <a:pPr indent="0" lvl="0" marL="0" marR="0" rtl="0" algn="l">
-              <a:lnSpc>
-                <a:spcPct val="100000"/>
-              </a:lnSpc>
-              <a:spcBef>
-                <a:spcPts val="0"/>
-              </a:spcBef>
-              <a:spcAft>
-                <a:spcPts val="0"/>
-              </a:spcAft>
-              <a:buClr>
-                <a:schemeClr val="dk1"/>
-              </a:buClr>
-              <a:buSzPts val="1800"/>
-              <a:buFont typeface="Century Gothic"/>
-              <a:buNone/>
-            </a:pPr>
-            <a:r>
-              <a:t/>
-            </a:r>
-            <a:endParaRPr b="0" i="0" sz="1800" u="none" cap="none" strike="noStrike">
-              <a:solidFill>
-                <a:srgbClr val="000000"/>
-              </a:solidFill>
-              <a:latin typeface="Calibri"/>
-              <a:ea typeface="Calibri"/>
-              <a:cs typeface="Calibri"/>
-              <a:sym typeface="Calibri"/>
-            </a:endParaRPr>
-          </a:p>
-        </p:txBody>
-      </p:sp>
-      <p:sp>
-        <p:nvSpPr>
-          <p:cNvPr id="185" name="Google Shape;185;g35c762ae955_0_68"/>
-          <p:cNvSpPr/>
-          <p:nvPr/>
-        </p:nvSpPr>
-        <p:spPr>
-          <a:xfrm flipH="1">
-            <a:off x="0" y="2916245"/>
-            <a:ext cx="159741" cy="552996"/>
-          </a:xfrm>
-          <a:custGeom>
-            <a:rect b="b" l="l" r="r" t="t"/>
-            <a:pathLst>
-              <a:path extrusionOk="0" h="552996" w="159741">
-                <a:moveTo>
-                  <a:pt x="159741" y="0"/>
-                </a:moveTo>
-                <a:lnTo>
-                  <a:pt x="159741" y="552996"/>
-                </a:lnTo>
-                <a:lnTo>
-                  <a:pt x="141849" y="543285"/>
-                </a:lnTo>
-                <a:cubicBezTo>
-                  <a:pt x="56268" y="485467"/>
-                  <a:pt x="0" y="387554"/>
-                  <a:pt x="0" y="276498"/>
-                </a:cubicBezTo>
-                <a:cubicBezTo>
-                  <a:pt x="0" y="165443"/>
-                  <a:pt x="56268" y="67529"/>
-                  <a:pt x="141849" y="9711"/>
-                </a:cubicBezTo>
-                <a:close/>
-              </a:path>
-            </a:pathLst>
-          </a:custGeom>
-          <a:solidFill>
-            <a:schemeClr val="accent2"/>
-          </a:solidFill>
-          <a:ln>
-            <a:noFill/>
-          </a:ln>
-        </p:spPr>
-        <p:txBody>
-          <a:bodyPr anchorCtr="0" anchor="ctr" bIns="45700" lIns="91425" spcFirstLastPara="1" rIns="91425" wrap="square" tIns="45700">
-            <a:noAutofit/>
-          </a:bodyPr>
-          <a:lstStyle/>
-          <a:p>
-            <a:pPr indent="0" lvl="0" marL="0" marR="0" rtl="0" algn="ctr">
-              <a:lnSpc>
-                <a:spcPct val="100000"/>
-              </a:lnSpc>
-              <a:spcBef>
-                <a:spcPts val="0"/>
-              </a:spcBef>
-              <a:spcAft>
-                <a:spcPts val="0"/>
-              </a:spcAft>
-              <a:buClr>
-                <a:schemeClr val="lt1"/>
-              </a:buClr>
-              <a:buSzPts val="1800"/>
-              <a:buFont typeface="Century Gothic"/>
-              <a:buNone/>
-            </a:pPr>
-            <a:r>
-              <a:t/>
-            </a:r>
-            <a:endParaRPr b="0" i="0" sz="1800" u="none" cap="none" strike="noStrike">
-              <a:solidFill>
-                <a:srgbClr val="FFFFFF"/>
-              </a:solidFill>
-              <a:latin typeface="Calibri"/>
-              <a:ea typeface="Calibri"/>
-              <a:cs typeface="Calibri"/>
-              <a:sym typeface="Calibri"/>
-            </a:endParaRPr>
-          </a:p>
-        </p:txBody>
-      </p:sp>
-      <p:sp>
-        <p:nvSpPr>
-          <p:cNvPr id="186" name="Google Shape;186;g35c762ae955_0_68"/>
+          <p:cNvPr id="173" name="Google Shape;173;g35c762ae955_0_68"/>
           <p:cNvSpPr/>
           <p:nvPr/>
         </p:nvSpPr>
@@ -20525,7 +19675,7 @@
       </p:sp>
       <p:sp>
         <p:nvSpPr>
-          <p:cNvPr id="187" name="Google Shape;187;g35c762ae955_0_68"/>
+          <p:cNvPr id="174" name="Google Shape;174;g35c762ae955_0_68"/>
           <p:cNvSpPr/>
           <p:nvPr/>
         </p:nvSpPr>
@@ -20722,7 +19872,7 @@
       </p:sp>
       <p:sp>
         <p:nvSpPr>
-          <p:cNvPr id="188" name="Google Shape;188;g35c762ae955_0_68"/>
+          <p:cNvPr id="175" name="Google Shape;175;g35c762ae955_0_68"/>
           <p:cNvSpPr/>
           <p:nvPr/>
         </p:nvSpPr>
@@ -20808,7 +19958,7 @@
       </p:sp>
       <p:pic>
         <p:nvPicPr>
-          <p:cNvPr id="189" name="Google Shape;189;g35c762ae955_0_68"/>
+          <p:cNvPr id="176" name="Google Shape;176;g35c762ae955_0_68"/>
           <p:cNvPicPr preferRelativeResize="0"/>
           <p:nvPr/>
         </p:nvPicPr>
